--- a/My_Little_China.pptx
+++ b/My_Little_China.pptx
@@ -8397,7 +8397,7 @@
           <a:p>
             <a:r>
               <a:rPr lang="ru-RU" sz="4000" dirty="0"/>
-              <a:t>Поиск подстроки в строке (КМП)</a:t>
+              <a:t>Поиск подстроки в строке</a:t>
             </a:r>
           </a:p>
           <a:p>
@@ -8481,7 +8481,11 @@
           <a:p>
             <a:r>
               <a:rPr lang="ru-RU" dirty="0"/>
-              <a:t>Поиск подстроки в строке (КМП)</a:t>
+              <a:t>Поиск подстроки </a:t>
+            </a:r>
+            <a:r>
+              <a:rPr lang="ru-RU"/>
+              <a:t>в строке</a:t>
             </a:r>
             <a:br>
               <a:rPr lang="ru-RU" dirty="0"/>
